--- a/Reactjs Specification.pptx
+++ b/Reactjs Specification.pptx
@@ -7,6 +7,7 @@
   <p:sldIdLst>
     <p:sldId id="256" r:id="rId2"/>
     <p:sldId id="257" r:id="rId3"/>
+    <p:sldId id="258" r:id="rId4"/>
   </p:sldIdLst>
   <p:sldSz cx="12192000" cy="6858000"/>
   <p:notesSz cx="6858000" cy="9144000"/>
@@ -105,6 +106,11 @@
       </a:defRPr>
     </a:lvl9pPr>
   </p:defaultTextStyle>
+  <p:extLst>
+    <p:ext uri="{EFAFB233-063F-42B5-8137-9DF3F51BA10A}">
+      <p15:sldGuideLst xmlns:p15="http://schemas.microsoft.com/office/powerpoint/2012/main"/>
+    </p:ext>
+  </p:extLst>
 </p:presentation>
 </file>
 
@@ -203,7 +209,7 @@
           <a:effectLst/>
           <a:extLst>
             <a:ext uri="{91240B29-F687-4f45-9708-019B960494DF}">
-              <a14:hiddenLine xmlns:a14="http://schemas.microsoft.com/office/drawing/2010/main" xmlns="" w="9525">
+              <a14:hiddenLine xmlns="" xmlns:a14="http://schemas.microsoft.com/office/drawing/2010/main" w="9525">
                 <a:solidFill>
                   <a:srgbClr val="000000"/>
                 </a:solidFill>
@@ -395,7 +401,7 @@
           <a:p>
             <a:fld id="{E41AEA27-AD55-412D-8B1F-0B48E07032CE}" type="datetimeFigureOut">
               <a:rPr lang="ru-RU" smtClean="0"/>
-              <a:t>11.05.2018</a:t>
+              <a:t>29.05.2018</a:t>
             </a:fld>
             <a:endParaRPr lang="ru-RU"/>
           </a:p>
@@ -713,7 +719,7 @@
           <a:p>
             <a:fld id="{E41AEA27-AD55-412D-8B1F-0B48E07032CE}" type="datetimeFigureOut">
               <a:rPr lang="ru-RU" smtClean="0"/>
-              <a:t>11.05.2018</a:t>
+              <a:t>29.05.2018</a:t>
             </a:fld>
             <a:endParaRPr lang="ru-RU"/>
           </a:p>
@@ -1201,7 +1207,7 @@
           <a:p>
             <a:fld id="{E41AEA27-AD55-412D-8B1F-0B48E07032CE}" type="datetimeFigureOut">
               <a:rPr lang="ru-RU" smtClean="0"/>
-              <a:t>11.05.2018</a:t>
+              <a:t>29.05.2018</a:t>
             </a:fld>
             <a:endParaRPr lang="ru-RU"/>
           </a:p>
@@ -1570,7 +1576,7 @@
           <a:p>
             <a:fld id="{E41AEA27-AD55-412D-8B1F-0B48E07032CE}" type="datetimeFigureOut">
               <a:rPr lang="ru-RU" smtClean="0"/>
-              <a:t>11.05.2018</a:t>
+              <a:t>29.05.2018</a:t>
             </a:fld>
             <a:endParaRPr lang="ru-RU"/>
           </a:p>
@@ -1725,7 +1731,7 @@
           <a:ln/>
           <a:extLst>
             <a:ext uri="{91240B29-F687-4f45-9708-019B960494DF}">
-              <a14:hiddenLine xmlns:a14="http://schemas.microsoft.com/office/drawing/2010/main" xmlns="" w="9525">
+              <a14:hiddenLine xmlns="" xmlns:a14="http://schemas.microsoft.com/office/drawing/2010/main" w="9525">
                 <a:solidFill>
                   <a:srgbClr val="000000"/>
                 </a:solidFill>
@@ -1843,7 +1849,7 @@
           <a:p>
             <a:fld id="{E41AEA27-AD55-412D-8B1F-0B48E07032CE}" type="datetimeFigureOut">
               <a:rPr lang="ru-RU" smtClean="0"/>
-              <a:t>11.05.2018</a:t>
+              <a:t>29.05.2018</a:t>
             </a:fld>
             <a:endParaRPr lang="ru-RU"/>
           </a:p>
@@ -2000,7 +2006,7 @@
           <a:ln/>
           <a:extLst>
             <a:ext uri="{91240B29-F687-4f45-9708-019B960494DF}">
-              <a14:hiddenLine xmlns:a14="http://schemas.microsoft.com/office/drawing/2010/main" xmlns="" w="9525">
+              <a14:hiddenLine xmlns="" xmlns:a14="http://schemas.microsoft.com/office/drawing/2010/main" w="9525">
                 <a:solidFill>
                   <a:srgbClr val="000000"/>
                 </a:solidFill>
@@ -2128,7 +2134,7 @@
           <a:p>
             <a:fld id="{E41AEA27-AD55-412D-8B1F-0B48E07032CE}" type="datetimeFigureOut">
               <a:rPr lang="ru-RU" smtClean="0"/>
-              <a:t>11.05.2018</a:t>
+              <a:t>29.05.2018</a:t>
             </a:fld>
             <a:endParaRPr lang="ru-RU"/>
           </a:p>
@@ -2283,7 +2289,7 @@
           <a:ln/>
           <a:extLst>
             <a:ext uri="{91240B29-F687-4f45-9708-019B960494DF}">
-              <a14:hiddenLine xmlns:a14="http://schemas.microsoft.com/office/drawing/2010/main" xmlns="" w="9525">
+              <a14:hiddenLine xmlns="" xmlns:a14="http://schemas.microsoft.com/office/drawing/2010/main" w="9525">
                 <a:solidFill>
                   <a:srgbClr val="000000"/>
                 </a:solidFill>
@@ -2411,7 +2417,7 @@
           <a:p>
             <a:fld id="{E41AEA27-AD55-412D-8B1F-0B48E07032CE}" type="datetimeFigureOut">
               <a:rPr lang="ru-RU" smtClean="0"/>
-              <a:t>11.05.2018</a:t>
+              <a:t>29.05.2018</a:t>
             </a:fld>
             <a:endParaRPr lang="ru-RU"/>
           </a:p>
@@ -2754,7 +2760,7 @@
           <a:p>
             <a:fld id="{E41AEA27-AD55-412D-8B1F-0B48E07032CE}" type="datetimeFigureOut">
               <a:rPr lang="ru-RU" smtClean="0"/>
-              <a:t>11.05.2018</a:t>
+              <a:t>29.05.2018</a:t>
             </a:fld>
             <a:endParaRPr lang="ru-RU"/>
           </a:p>
@@ -2909,7 +2915,7 @@
           <a:ln/>
           <a:extLst>
             <a:ext uri="{91240B29-F687-4f45-9708-019B960494DF}">
-              <a14:hiddenLine xmlns:a14="http://schemas.microsoft.com/office/drawing/2010/main" xmlns="" w="9525">
+              <a14:hiddenLine xmlns="" xmlns:a14="http://schemas.microsoft.com/office/drawing/2010/main" w="9525">
                 <a:solidFill>
                   <a:srgbClr val="000000"/>
                 </a:solidFill>
@@ -3093,7 +3099,7 @@
           <a:p>
             <a:fld id="{E41AEA27-AD55-412D-8B1F-0B48E07032CE}" type="datetimeFigureOut">
               <a:rPr lang="ru-RU" smtClean="0"/>
-              <a:t>11.05.2018</a:t>
+              <a:t>29.05.2018</a:t>
             </a:fld>
             <a:endParaRPr lang="ru-RU"/>
           </a:p>
@@ -3248,7 +3254,7 @@
           <a:ln/>
           <a:extLst>
             <a:ext uri="{91240B29-F687-4f45-9708-019B960494DF}">
-              <a14:hiddenLine xmlns:a14="http://schemas.microsoft.com/office/drawing/2010/main" xmlns="" w="9525">
+              <a14:hiddenLine xmlns="" xmlns:a14="http://schemas.microsoft.com/office/drawing/2010/main" w="9525">
                 <a:solidFill>
                   <a:srgbClr val="000000"/>
                 </a:solidFill>
@@ -3570,7 +3576,7 @@
           <a:p>
             <a:fld id="{E41AEA27-AD55-412D-8B1F-0B48E07032CE}" type="datetimeFigureOut">
               <a:rPr lang="ru-RU" smtClean="0"/>
-              <a:t>11.05.2018</a:t>
+              <a:t>29.05.2018</a:t>
             </a:fld>
             <a:endParaRPr lang="ru-RU"/>
           </a:p>
@@ -3725,7 +3731,7 @@
           <a:ln/>
           <a:extLst>
             <a:ext uri="{91240B29-F687-4f45-9708-019B960494DF}">
-              <a14:hiddenLine xmlns:a14="http://schemas.microsoft.com/office/drawing/2010/main" xmlns="" w="9525">
+              <a14:hiddenLine xmlns="" xmlns:a14="http://schemas.microsoft.com/office/drawing/2010/main" w="9525">
                 <a:solidFill>
                   <a:srgbClr val="000000"/>
                 </a:solidFill>
@@ -3791,7 +3797,7 @@
           <a:p>
             <a:fld id="{E41AEA27-AD55-412D-8B1F-0B48E07032CE}" type="datetimeFigureOut">
               <a:rPr lang="ru-RU" smtClean="0"/>
-              <a:t>11.05.2018</a:t>
+              <a:t>29.05.2018</a:t>
             </a:fld>
             <a:endParaRPr lang="ru-RU"/>
           </a:p>
@@ -3886,7 +3892,7 @@
           <a:p>
             <a:fld id="{E41AEA27-AD55-412D-8B1F-0B48E07032CE}" type="datetimeFigureOut">
               <a:rPr lang="ru-RU" smtClean="0"/>
-              <a:t>11.05.2018</a:t>
+              <a:t>29.05.2018</a:t>
             </a:fld>
             <a:endParaRPr lang="ru-RU"/>
           </a:p>
@@ -4154,7 +4160,7 @@
           <a:ln/>
           <a:extLst>
             <a:ext uri="{91240B29-F687-4f45-9708-019B960494DF}">
-              <a14:hiddenLine xmlns:a14="http://schemas.microsoft.com/office/drawing/2010/main" xmlns="" w="9525">
+              <a14:hiddenLine xmlns="" xmlns:a14="http://schemas.microsoft.com/office/drawing/2010/main" w="9525">
                 <a:solidFill>
                   <a:srgbClr val="000000"/>
                 </a:solidFill>
@@ -4353,7 +4359,7 @@
           <a:p>
             <a:fld id="{E41AEA27-AD55-412D-8B1F-0B48E07032CE}" type="datetimeFigureOut">
               <a:rPr lang="ru-RU" smtClean="0"/>
-              <a:t>11.05.2018</a:t>
+              <a:t>29.05.2018</a:t>
             </a:fld>
             <a:endParaRPr lang="ru-RU"/>
           </a:p>
@@ -4666,7 +4672,7 @@
           <a:p>
             <a:fld id="{E41AEA27-AD55-412D-8B1F-0B48E07032CE}" type="datetimeFigureOut">
               <a:rPr lang="ru-RU" smtClean="0"/>
-              <a:t>11.05.2018</a:t>
+              <a:t>29.05.2018</a:t>
             </a:fld>
             <a:endParaRPr lang="ru-RU"/>
           </a:p>
@@ -4936,7 +4942,7 @@
           <a:p>
             <a:fld id="{E41AEA27-AD55-412D-8B1F-0B48E07032CE}" type="datetimeFigureOut">
               <a:rPr lang="ru-RU" smtClean="0"/>
-              <a:t>11.05.2018</a:t>
+              <a:t>29.05.2018</a:t>
             </a:fld>
             <a:endParaRPr lang="ru-RU"/>
           </a:p>
@@ -5395,7 +5401,12 @@
             <p:ph type="ctrTitle"/>
           </p:nvPr>
         </p:nvSpPr>
-        <p:spPr/>
+        <p:spPr>
+          <a:xfrm>
+            <a:off x="2535562" y="1343747"/>
+            <a:ext cx="10572000" cy="2971051"/>
+          </a:xfrm>
+        </p:spPr>
         <p:txBody>
           <a:bodyPr/>
           <a:lstStyle/>
@@ -5412,6 +5423,36 @@
           </a:p>
         </p:txBody>
       </p:sp>
+      <p:pic>
+        <p:nvPicPr>
+          <p:cNvPr id="3" name="Рисунок 2"/>
+          <p:cNvPicPr>
+            <a:picLocks noChangeAspect="1"/>
+          </p:cNvPicPr>
+          <p:nvPr/>
+        </p:nvPicPr>
+        <p:blipFill>
+          <a:blip r:embed="rId2">
+            <a:extLst>
+              <a:ext uri="{28A0092B-C50C-407E-A947-70E740481C1C}">
+                <a14:useLocalDpi xmlns:a14="http://schemas.microsoft.com/office/drawing/2010/main" val="0"/>
+              </a:ext>
+            </a:extLst>
+          </a:blip>
+          <a:stretch>
+            <a:fillRect/>
+          </a:stretch>
+        </p:blipFill>
+        <p:spPr>
+          <a:xfrm>
+            <a:off x="265471" y="2829273"/>
+            <a:ext cx="2875935" cy="2033376"/>
+          </a:xfrm>
+          <a:prstGeom prst="rect">
+            <a:avLst/>
+          </a:prstGeom>
+        </p:spPr>
+      </p:pic>
     </p:spTree>
     <p:extLst>
       <p:ext uri="{BB962C8B-B14F-4D97-AF65-F5344CB8AC3E}">
@@ -5452,15 +5493,212 @@
             <p:ph type="title"/>
           </p:nvPr>
         </p:nvSpPr>
-        <p:spPr/>
+        <p:spPr>
+          <a:xfrm>
+            <a:off x="457200" y="181717"/>
+            <a:ext cx="10571998" cy="970450"/>
+          </a:xfrm>
+        </p:spPr>
         <p:txBody>
           <a:bodyPr/>
           <a:lstStyle/>
           <a:p>
-            <a:endParaRPr lang="ru-RU"/>
-          </a:p>
-        </p:txBody>
-      </p:sp>
+            <a:r>
+              <a:rPr lang="en-US" dirty="0" smtClean="0"/>
+              <a:t>Hello World</a:t>
+            </a:r>
+            <a:endParaRPr lang="ru-RU" dirty="0"/>
+          </a:p>
+        </p:txBody>
+      </p:sp>
+      <p:sp>
+        <p:nvSpPr>
+          <p:cNvPr id="7" name="TextBox 6"/>
+          <p:cNvSpPr txBox="1"/>
+          <p:nvPr/>
+        </p:nvSpPr>
+        <p:spPr>
+          <a:xfrm>
+            <a:off x="457200" y="2138516"/>
+            <a:ext cx="949299" cy="523220"/>
+          </a:xfrm>
+          <a:prstGeom prst="rect">
+            <a:avLst/>
+          </a:prstGeom>
+          <a:noFill/>
+        </p:spPr>
+        <p:txBody>
+          <a:bodyPr wrap="none" rtlCol="0">
+            <a:spAutoFit/>
+          </a:bodyPr>
+          <a:lstStyle/>
+          <a:p>
+            <a:r>
+              <a:rPr lang="ru-RU" sz="2800" dirty="0" smtClean="0"/>
+              <a:t>Код</a:t>
+            </a:r>
+            <a:r>
+              <a:rPr lang="en-US" sz="2800" dirty="0" smtClean="0"/>
+              <a:t>:</a:t>
+            </a:r>
+            <a:endParaRPr lang="ru-RU" sz="2800" dirty="0"/>
+          </a:p>
+        </p:txBody>
+      </p:sp>
+      <p:sp>
+        <p:nvSpPr>
+          <p:cNvPr id="8" name="TextBox 7"/>
+          <p:cNvSpPr txBox="1"/>
+          <p:nvPr/>
+        </p:nvSpPr>
+        <p:spPr>
+          <a:xfrm>
+            <a:off x="5978013" y="2138516"/>
+            <a:ext cx="1965603" cy="523220"/>
+          </a:xfrm>
+          <a:prstGeom prst="rect">
+            <a:avLst/>
+          </a:prstGeom>
+          <a:noFill/>
+        </p:spPr>
+        <p:txBody>
+          <a:bodyPr wrap="none" rtlCol="0">
+            <a:spAutoFit/>
+          </a:bodyPr>
+          <a:lstStyle/>
+          <a:p>
+            <a:r>
+              <a:rPr lang="ru-RU" sz="2800" dirty="0" smtClean="0"/>
+              <a:t>Результат</a:t>
+            </a:r>
+            <a:r>
+              <a:rPr lang="en-US" sz="2800" dirty="0" smtClean="0"/>
+              <a:t>:</a:t>
+            </a:r>
+            <a:endParaRPr lang="ru-RU" sz="2800" dirty="0"/>
+          </a:p>
+        </p:txBody>
+      </p:sp>
+      <p:pic>
+        <p:nvPicPr>
+          <p:cNvPr id="10" name="Рисунок 9"/>
+          <p:cNvPicPr>
+            <a:picLocks noChangeAspect="1"/>
+          </p:cNvPicPr>
+          <p:nvPr/>
+        </p:nvPicPr>
+        <p:blipFill>
+          <a:blip r:embed="rId2"/>
+          <a:stretch>
+            <a:fillRect/>
+          </a:stretch>
+        </p:blipFill>
+        <p:spPr>
+          <a:xfrm>
+            <a:off x="6193618" y="2661735"/>
+            <a:ext cx="3882131" cy="1592041"/>
+          </a:xfrm>
+          <a:prstGeom prst="rect">
+            <a:avLst/>
+          </a:prstGeom>
+        </p:spPr>
+      </p:pic>
+      <p:sp>
+        <p:nvSpPr>
+          <p:cNvPr id="11" name="TextBox 10"/>
+          <p:cNvSpPr txBox="1"/>
+          <p:nvPr/>
+        </p:nvSpPr>
+        <p:spPr>
+          <a:xfrm>
+            <a:off x="457200" y="4617661"/>
+            <a:ext cx="10987548" cy="1200329"/>
+          </a:xfrm>
+          <a:prstGeom prst="rect">
+            <a:avLst/>
+          </a:prstGeom>
+          <a:noFill/>
+        </p:spPr>
+        <p:txBody>
+          <a:bodyPr wrap="square" rtlCol="0">
+            <a:spAutoFit/>
+          </a:bodyPr>
+          <a:lstStyle/>
+          <a:p>
+            <a:r>
+              <a:rPr lang="ru-RU" dirty="0"/>
+              <a:t>Для работы с </a:t>
+            </a:r>
+            <a:r>
+              <a:rPr lang="ru-RU" dirty="0" err="1"/>
+              <a:t>React</a:t>
+            </a:r>
+            <a:r>
+              <a:rPr lang="ru-RU" dirty="0"/>
+              <a:t> вы можете использовать </a:t>
+            </a:r>
+            <a:r>
+              <a:rPr lang="ru-RU" dirty="0" err="1">
+                <a:hlinkClick r:id="rId3"/>
+              </a:rPr>
+              <a:t>CodePen</a:t>
+            </a:r>
+            <a:r>
+              <a:rPr lang="ru-RU" dirty="0"/>
+              <a:t> - платформу для редактирования и хранения кода на HTML, CSS и </a:t>
+            </a:r>
+            <a:r>
+              <a:rPr lang="ru-RU" dirty="0" err="1"/>
+              <a:t>JavaScript</a:t>
+            </a:r>
+            <a:r>
+              <a:rPr lang="ru-RU" dirty="0"/>
+              <a:t> с просмотром готового результата в браузере. Если же вы предпочитаете работать с локальной средой разработки, то посетите раздел </a:t>
+            </a:r>
+            <a:r>
+              <a:rPr lang="ru-RU" dirty="0">
+                <a:hlinkClick r:id="rId4"/>
+              </a:rPr>
+              <a:t>Установка </a:t>
+            </a:r>
+            <a:r>
+              <a:rPr lang="ru-RU" dirty="0" err="1">
+                <a:hlinkClick r:id="rId4"/>
+              </a:rPr>
+              <a:t>React</a:t>
+            </a:r>
+            <a:r>
+              <a:rPr lang="ru-RU" dirty="0"/>
+              <a:t>.</a:t>
+            </a:r>
+            <a:endParaRPr lang="ru-RU" dirty="0"/>
+          </a:p>
+        </p:txBody>
+      </p:sp>
+      <p:pic>
+        <p:nvPicPr>
+          <p:cNvPr id="12" name="Рисунок 11"/>
+          <p:cNvPicPr>
+            <a:picLocks noChangeAspect="1"/>
+          </p:cNvPicPr>
+          <p:nvPr/>
+        </p:nvPicPr>
+        <p:blipFill>
+          <a:blip r:embed="rId5"/>
+          <a:stretch>
+            <a:fillRect/>
+          </a:stretch>
+        </p:blipFill>
+        <p:spPr>
+          <a:xfrm>
+            <a:off x="457200" y="2661736"/>
+            <a:ext cx="4742068" cy="1592041"/>
+          </a:xfrm>
+          <a:prstGeom prst="rect">
+            <a:avLst/>
+          </a:prstGeom>
+        </p:spPr>
+      </p:pic>
     </p:spTree>
     <p:extLst>
       <p:ext uri="{BB962C8B-B14F-4D97-AF65-F5344CB8AC3E}">
@@ -5474,24 +5712,348 @@
 </p:sld>
 </file>
 
+<file path=ppt/slides/slide3.xml><?xml version="1.0" encoding="utf-8"?>
+<p:sld xmlns:a="http://schemas.openxmlformats.org/drawingml/2006/main" xmlns:r="http://schemas.openxmlformats.org/officeDocument/2006/relationships" xmlns:p="http://schemas.openxmlformats.org/presentationml/2006/main">
+  <p:cSld>
+    <p:spTree>
+      <p:nvGrpSpPr>
+        <p:cNvPr id="1" name=""/>
+        <p:cNvGrpSpPr/>
+        <p:nvPr/>
+      </p:nvGrpSpPr>
+      <p:grpSpPr>
+        <a:xfrm>
+          <a:off x="0" y="0"/>
+          <a:ext cx="0" cy="0"/>
+          <a:chOff x="0" y="0"/>
+          <a:chExt cx="0" cy="0"/>
+        </a:xfrm>
+      </p:grpSpPr>
+      <p:sp>
+        <p:nvSpPr>
+          <p:cNvPr id="2" name="Заголовок 1"/>
+          <p:cNvSpPr>
+            <a:spLocks noGrp="1"/>
+          </p:cNvSpPr>
+          <p:nvPr>
+            <p:ph type="title"/>
+          </p:nvPr>
+        </p:nvSpPr>
+        <p:spPr/>
+        <p:txBody>
+          <a:bodyPr/>
+          <a:lstStyle/>
+          <a:p>
+            <a:r>
+              <a:rPr lang="en-US" dirty="0" smtClean="0"/>
+              <a:t>JSX</a:t>
+            </a:r>
+            <a:endParaRPr lang="ru-RU" dirty="0"/>
+          </a:p>
+        </p:txBody>
+      </p:sp>
+      <p:sp>
+        <p:nvSpPr>
+          <p:cNvPr id="4" name="TextBox 3"/>
+          <p:cNvSpPr txBox="1"/>
+          <p:nvPr/>
+        </p:nvSpPr>
+        <p:spPr>
+          <a:xfrm>
+            <a:off x="1415845" y="2639961"/>
+            <a:ext cx="184731" cy="369332"/>
+          </a:xfrm>
+          <a:prstGeom prst="rect">
+            <a:avLst/>
+          </a:prstGeom>
+          <a:noFill/>
+        </p:spPr>
+        <p:txBody>
+          <a:bodyPr wrap="none" rtlCol="0">
+            <a:spAutoFit/>
+          </a:bodyPr>
+          <a:lstStyle/>
+          <a:p>
+            <a:endParaRPr lang="ru-RU" dirty="0"/>
+          </a:p>
+        </p:txBody>
+      </p:sp>
+      <p:pic>
+        <p:nvPicPr>
+          <p:cNvPr id="5" name="Рисунок 4"/>
+          <p:cNvPicPr>
+            <a:picLocks noChangeAspect="1"/>
+          </p:cNvPicPr>
+          <p:nvPr/>
+        </p:nvPicPr>
+        <p:blipFill>
+          <a:blip r:embed="rId2"/>
+          <a:stretch>
+            <a:fillRect/>
+          </a:stretch>
+        </p:blipFill>
+        <p:spPr>
+          <a:xfrm>
+            <a:off x="190039" y="2639961"/>
+            <a:ext cx="5381625" cy="628650"/>
+          </a:xfrm>
+          <a:prstGeom prst="rect">
+            <a:avLst/>
+          </a:prstGeom>
+        </p:spPr>
+      </p:pic>
+      <p:sp>
+        <p:nvSpPr>
+          <p:cNvPr id="6" name="TextBox 5"/>
+          <p:cNvSpPr txBox="1"/>
+          <p:nvPr/>
+        </p:nvSpPr>
+        <p:spPr>
+          <a:xfrm>
+            <a:off x="190039" y="3378625"/>
+            <a:ext cx="4501553" cy="369332"/>
+          </a:xfrm>
+          <a:prstGeom prst="rect">
+            <a:avLst/>
+          </a:prstGeom>
+          <a:noFill/>
+        </p:spPr>
+        <p:txBody>
+          <a:bodyPr wrap="none" rtlCol="0">
+            <a:spAutoFit/>
+          </a:bodyPr>
+          <a:lstStyle/>
+          <a:p>
+            <a:r>
+              <a:rPr lang="ru-RU" dirty="0"/>
+              <a:t>JSX - это расширение для </a:t>
+            </a:r>
+            <a:r>
+              <a:rPr lang="ru-RU" dirty="0" err="1"/>
+              <a:t>JavaScript</a:t>
+            </a:r>
+            <a:r>
+              <a:rPr lang="ru-RU" dirty="0"/>
+              <a:t>.</a:t>
+            </a:r>
+            <a:endParaRPr lang="ru-RU" dirty="0"/>
+          </a:p>
+        </p:txBody>
+      </p:sp>
+      <p:sp>
+        <p:nvSpPr>
+          <p:cNvPr id="7" name="TextBox 6"/>
+          <p:cNvSpPr txBox="1"/>
+          <p:nvPr/>
+        </p:nvSpPr>
+        <p:spPr>
+          <a:xfrm>
+            <a:off x="185380" y="2009019"/>
+            <a:ext cx="2460930" cy="523220"/>
+          </a:xfrm>
+          <a:prstGeom prst="rect">
+            <a:avLst/>
+          </a:prstGeom>
+          <a:noFill/>
+        </p:spPr>
+        <p:txBody>
+          <a:bodyPr wrap="none" rtlCol="0">
+            <a:spAutoFit/>
+          </a:bodyPr>
+          <a:lstStyle/>
+          <a:p>
+            <a:r>
+              <a:rPr lang="ru-RU" sz="2800" dirty="0" smtClean="0"/>
+              <a:t>Пример </a:t>
+            </a:r>
+            <a:r>
+              <a:rPr lang="en-US" sz="2800" dirty="0" smtClean="0"/>
+              <a:t>JSX:</a:t>
+            </a:r>
+            <a:endParaRPr lang="ru-RU" sz="2800" dirty="0"/>
+          </a:p>
+        </p:txBody>
+      </p:sp>
+      <p:sp>
+        <p:nvSpPr>
+          <p:cNvPr id="9" name="TextBox 8"/>
+          <p:cNvSpPr txBox="1"/>
+          <p:nvPr/>
+        </p:nvSpPr>
+        <p:spPr>
+          <a:xfrm>
+            <a:off x="190039" y="3747957"/>
+            <a:ext cx="4661854" cy="369332"/>
+          </a:xfrm>
+          <a:prstGeom prst="rect">
+            <a:avLst/>
+          </a:prstGeom>
+          <a:noFill/>
+        </p:spPr>
+        <p:txBody>
+          <a:bodyPr wrap="none" rtlCol="0">
+            <a:spAutoFit/>
+          </a:bodyPr>
+          <a:lstStyle/>
+          <a:p>
+            <a:r>
+              <a:rPr lang="ru-RU" dirty="0"/>
+              <a:t>JSX не обязателен при работе с </a:t>
+            </a:r>
+            <a:r>
+              <a:rPr lang="ru-RU" dirty="0" err="1"/>
+              <a:t>React</a:t>
+            </a:r>
+            <a:endParaRPr lang="ru-RU" dirty="0"/>
+          </a:p>
+        </p:txBody>
+      </p:sp>
+      <p:pic>
+        <p:nvPicPr>
+          <p:cNvPr id="10" name="Рисунок 9"/>
+          <p:cNvPicPr>
+            <a:picLocks noChangeAspect="1"/>
+          </p:cNvPicPr>
+          <p:nvPr/>
+        </p:nvPicPr>
+        <p:blipFill>
+          <a:blip r:embed="rId3"/>
+          <a:stretch>
+            <a:fillRect/>
+          </a:stretch>
+        </p:blipFill>
+        <p:spPr>
+          <a:xfrm>
+            <a:off x="7137911" y="2477729"/>
+            <a:ext cx="4161211" cy="4240956"/>
+          </a:xfrm>
+          <a:prstGeom prst="rect">
+            <a:avLst/>
+          </a:prstGeom>
+        </p:spPr>
+      </p:pic>
+      <p:sp>
+        <p:nvSpPr>
+          <p:cNvPr id="12" name="Прямоугольник 11"/>
+          <p:cNvSpPr/>
+          <p:nvPr/>
+        </p:nvSpPr>
+        <p:spPr>
+          <a:xfrm>
+            <a:off x="7137911" y="1976284"/>
+            <a:ext cx="949299" cy="523220"/>
+          </a:xfrm>
+          <a:prstGeom prst="rect">
+            <a:avLst/>
+          </a:prstGeom>
+        </p:spPr>
+        <p:txBody>
+          <a:bodyPr wrap="none">
+            <a:spAutoFit/>
+          </a:bodyPr>
+          <a:lstStyle/>
+          <a:p>
+            <a:r>
+              <a:rPr lang="ru-RU" sz="2800" dirty="0" smtClean="0"/>
+              <a:t>Код</a:t>
+            </a:r>
+            <a:r>
+              <a:rPr lang="en-US" sz="2800" dirty="0" smtClean="0"/>
+              <a:t>:</a:t>
+            </a:r>
+            <a:endParaRPr lang="ru-RU" sz="2800" dirty="0"/>
+          </a:p>
+        </p:txBody>
+      </p:sp>
+      <p:sp>
+        <p:nvSpPr>
+          <p:cNvPr id="13" name="TextBox 12"/>
+          <p:cNvSpPr txBox="1"/>
+          <p:nvPr/>
+        </p:nvSpPr>
+        <p:spPr>
+          <a:xfrm>
+            <a:off x="191729" y="4486621"/>
+            <a:ext cx="1965603" cy="523220"/>
+          </a:xfrm>
+          <a:prstGeom prst="rect">
+            <a:avLst/>
+          </a:prstGeom>
+          <a:noFill/>
+        </p:spPr>
+        <p:txBody>
+          <a:bodyPr wrap="none" rtlCol="0">
+            <a:spAutoFit/>
+          </a:bodyPr>
+          <a:lstStyle/>
+          <a:p>
+            <a:r>
+              <a:rPr lang="ru-RU" sz="2800" dirty="0" smtClean="0"/>
+              <a:t>Результат</a:t>
+            </a:r>
+            <a:r>
+              <a:rPr lang="en-US" sz="2800" dirty="0" smtClean="0"/>
+              <a:t>:</a:t>
+            </a:r>
+            <a:endParaRPr lang="ru-RU" sz="2800" dirty="0"/>
+          </a:p>
+        </p:txBody>
+      </p:sp>
+      <p:pic>
+        <p:nvPicPr>
+          <p:cNvPr id="15" name="Рисунок 14"/>
+          <p:cNvPicPr>
+            <a:picLocks noChangeAspect="1"/>
+          </p:cNvPicPr>
+          <p:nvPr/>
+        </p:nvPicPr>
+        <p:blipFill>
+          <a:blip r:embed="rId4"/>
+          <a:stretch>
+            <a:fillRect/>
+          </a:stretch>
+        </p:blipFill>
+        <p:spPr>
+          <a:xfrm>
+            <a:off x="316254" y="5015075"/>
+            <a:ext cx="4086225" cy="962025"/>
+          </a:xfrm>
+          <a:prstGeom prst="rect">
+            <a:avLst/>
+          </a:prstGeom>
+        </p:spPr>
+      </p:pic>
+    </p:spTree>
+    <p:extLst>
+      <p:ext uri="{BB962C8B-B14F-4D97-AF65-F5344CB8AC3E}">
+        <p14:creationId xmlns:p14="http://schemas.microsoft.com/office/powerpoint/2010/main" val="748094429"/>
+      </p:ext>
+    </p:extLst>
+  </p:cSld>
+  <p:clrMapOvr>
+    <a:masterClrMapping/>
+  </p:clrMapOvr>
+</p:sld>
+</file>
+
 <file path=ppt/theme/theme1.xml><?xml version="1.0" encoding="utf-8"?>
 <a:theme xmlns:a="http://schemas.openxmlformats.org/drawingml/2006/main" name="Цитаты">
   <a:themeElements>
-    <a:clrScheme name="Цитаты">
+    <a:clrScheme name="Другая 8">
       <a:dk1>
-        <a:sysClr val="windowText" lastClr="000000"/>
+        <a:srgbClr val="212121"/>
       </a:dk1>
       <a:lt1>
-        <a:sysClr val="window" lastClr="FFFFFF"/>
+        <a:srgbClr val="212121"/>
       </a:lt1>
       <a:dk2>
-        <a:srgbClr val="212121"/>
+        <a:srgbClr val="FFFFFF"/>
       </a:dk2>
       <a:lt2>
-        <a:srgbClr val="636363"/>
+        <a:srgbClr val="FFFFFF"/>
       </a:lt2>
       <a:accent1>
-        <a:srgbClr val="00C6BB"/>
+        <a:srgbClr val="92D050"/>
       </a:accent1>
       <a:accent2>
         <a:srgbClr val="6FEBA0"/>
